--- a/ppt 16-9/1486.我的主宰.pptx
+++ b/ppt 16-9/1486.我的主宰.pptx
@@ -5,7 +5,7 @@
     <p:sldMasterId id="2147483648" r:id="rId1"/>
   </p:sldMasterIdLst>
   <p:sldIdLst>
-    <p:sldId id="1060" r:id="rId2"/>
+    <p:sldId id="1061" r:id="rId2"/>
   </p:sldIdLst>
   <p:sldSz cx="12192000" cy="6858000"/>
   <p:notesSz cx="6858000" cy="9144000"/>
@@ -129,7 +129,7 @@
           <p:cNvPr id="2" name="标题 1">
             <a:extLst>
               <a:ext uri="{FF2B5EF4-FFF2-40B4-BE49-F238E27FC236}">
-                <a16:creationId xmlns:a16="http://schemas.microsoft.com/office/drawing/2014/main" id="{164F29B9-ECC8-1D15-D478-595FA9712B2A}"/>
+                <a16:creationId xmlns:a16="http://schemas.microsoft.com/office/drawing/2014/main" id="{3E5E534A-ECED-722D-3526-5DCEBF319B8A}"/>
               </a:ext>
             </a:extLst>
           </p:cNvPr>
@@ -166,7 +166,7 @@
           <p:cNvPr id="3" name="副标题 2">
             <a:extLst>
               <a:ext uri="{FF2B5EF4-FFF2-40B4-BE49-F238E27FC236}">
-                <a16:creationId xmlns:a16="http://schemas.microsoft.com/office/drawing/2014/main" id="{FABBCBB5-E893-CB17-2186-09A0F1E98858}"/>
+                <a16:creationId xmlns:a16="http://schemas.microsoft.com/office/drawing/2014/main" id="{889B305B-A593-5D62-BA44-2360FECEA0D8}"/>
               </a:ext>
             </a:extLst>
           </p:cNvPr>
@@ -236,7 +236,7 @@
           <p:cNvPr id="4" name="日期占位符 3">
             <a:extLst>
               <a:ext uri="{FF2B5EF4-FFF2-40B4-BE49-F238E27FC236}">
-                <a16:creationId xmlns:a16="http://schemas.microsoft.com/office/drawing/2014/main" id="{F9B06741-7561-2D70-680B-2BE613597177}"/>
+                <a16:creationId xmlns:a16="http://schemas.microsoft.com/office/drawing/2014/main" id="{AD1743EE-7DE0-301A-7424-3271C1114BBB}"/>
               </a:ext>
             </a:extLst>
           </p:cNvPr>
@@ -252,7 +252,7 @@
           <a:bodyPr/>
           <a:lstStyle/>
           <a:p>
-            <a:fld id="{1084B675-0395-405E-B8E3-818AC32275C5}" type="datetimeFigureOut">
+            <a:fld id="{7F95E429-7183-403E-B333-A767349D8C50}" type="datetimeFigureOut">
               <a:rPr lang="zh-CN" altLang="en-US" smtClean="0"/>
               <a:t>2024/3/10</a:t>
             </a:fld>
@@ -265,7 +265,7 @@
           <p:cNvPr id="5" name="页脚占位符 4">
             <a:extLst>
               <a:ext uri="{FF2B5EF4-FFF2-40B4-BE49-F238E27FC236}">
-                <a16:creationId xmlns:a16="http://schemas.microsoft.com/office/drawing/2014/main" id="{6821B303-F2A2-C079-35D4-9F952A6B3C56}"/>
+                <a16:creationId xmlns:a16="http://schemas.microsoft.com/office/drawing/2014/main" id="{F936D0BD-B7D2-0462-D29D-9767B7EA8962}"/>
               </a:ext>
             </a:extLst>
           </p:cNvPr>
@@ -290,7 +290,7 @@
           <p:cNvPr id="6" name="灯片编号占位符 5">
             <a:extLst>
               <a:ext uri="{FF2B5EF4-FFF2-40B4-BE49-F238E27FC236}">
-                <a16:creationId xmlns:a16="http://schemas.microsoft.com/office/drawing/2014/main" id="{07DD5C12-A848-C031-A7DE-889A5534972A}"/>
+                <a16:creationId xmlns:a16="http://schemas.microsoft.com/office/drawing/2014/main" id="{CEBDFCD8-6412-DCAB-655D-1133EE843F78}"/>
               </a:ext>
             </a:extLst>
           </p:cNvPr>
@@ -306,7 +306,7 @@
           <a:bodyPr/>
           <a:lstStyle/>
           <a:p>
-            <a:fld id="{4ED09251-FBAC-428F-ADD8-058FE2216F7A}" type="slidenum">
+            <a:fld id="{BE2CDD7C-4AEE-4367-A320-40C9A4868365}" type="slidenum">
               <a:rPr lang="zh-CN" altLang="en-US" smtClean="0"/>
               <a:t>‹#›</a:t>
             </a:fld>
@@ -317,7 +317,7 @@
     </p:spTree>
     <p:extLst>
       <p:ext uri="{BB962C8B-B14F-4D97-AF65-F5344CB8AC3E}">
-        <p14:creationId xmlns:p14="http://schemas.microsoft.com/office/powerpoint/2010/main" val="3787527645"/>
+        <p14:creationId xmlns:p14="http://schemas.microsoft.com/office/powerpoint/2010/main" val="3638353334"/>
       </p:ext>
     </p:extLst>
   </p:cSld>
@@ -349,7 +349,7 @@
           <p:cNvPr id="2" name="标题 1">
             <a:extLst>
               <a:ext uri="{FF2B5EF4-FFF2-40B4-BE49-F238E27FC236}">
-                <a16:creationId xmlns:a16="http://schemas.microsoft.com/office/drawing/2014/main" id="{DB778507-639C-8733-31AF-7646C39B74C4}"/>
+                <a16:creationId xmlns:a16="http://schemas.microsoft.com/office/drawing/2014/main" id="{81907B41-4EC6-40BC-928D-22B7C1BA42EE}"/>
               </a:ext>
             </a:extLst>
           </p:cNvPr>
@@ -377,7 +377,7 @@
           <p:cNvPr id="3" name="竖排文字占位符 2">
             <a:extLst>
               <a:ext uri="{FF2B5EF4-FFF2-40B4-BE49-F238E27FC236}">
-                <a16:creationId xmlns:a16="http://schemas.microsoft.com/office/drawing/2014/main" id="{20B6BD03-4F4C-1BCB-8DAF-F348A9607258}"/>
+                <a16:creationId xmlns:a16="http://schemas.microsoft.com/office/drawing/2014/main" id="{7691984C-6F6F-29E0-0105-A1FBE9735636}"/>
               </a:ext>
             </a:extLst>
           </p:cNvPr>
@@ -434,7 +434,7 @@
           <p:cNvPr id="4" name="日期占位符 3">
             <a:extLst>
               <a:ext uri="{FF2B5EF4-FFF2-40B4-BE49-F238E27FC236}">
-                <a16:creationId xmlns:a16="http://schemas.microsoft.com/office/drawing/2014/main" id="{A214F6E6-F57B-CF03-D096-F907C971C769}"/>
+                <a16:creationId xmlns:a16="http://schemas.microsoft.com/office/drawing/2014/main" id="{D87BDC1E-27BE-0559-028D-4B8F5790494E}"/>
               </a:ext>
             </a:extLst>
           </p:cNvPr>
@@ -450,7 +450,7 @@
           <a:bodyPr/>
           <a:lstStyle/>
           <a:p>
-            <a:fld id="{1084B675-0395-405E-B8E3-818AC32275C5}" type="datetimeFigureOut">
+            <a:fld id="{7F95E429-7183-403E-B333-A767349D8C50}" type="datetimeFigureOut">
               <a:rPr lang="zh-CN" altLang="en-US" smtClean="0"/>
               <a:t>2024/3/10</a:t>
             </a:fld>
@@ -463,7 +463,7 @@
           <p:cNvPr id="5" name="页脚占位符 4">
             <a:extLst>
               <a:ext uri="{FF2B5EF4-FFF2-40B4-BE49-F238E27FC236}">
-                <a16:creationId xmlns:a16="http://schemas.microsoft.com/office/drawing/2014/main" id="{8D9700FF-66FB-945C-5BC0-D28AC0194CBC}"/>
+                <a16:creationId xmlns:a16="http://schemas.microsoft.com/office/drawing/2014/main" id="{67DA8457-F02D-91B7-1BA6-6DD0C565FDB5}"/>
               </a:ext>
             </a:extLst>
           </p:cNvPr>
@@ -488,7 +488,7 @@
           <p:cNvPr id="6" name="灯片编号占位符 5">
             <a:extLst>
               <a:ext uri="{FF2B5EF4-FFF2-40B4-BE49-F238E27FC236}">
-                <a16:creationId xmlns:a16="http://schemas.microsoft.com/office/drawing/2014/main" id="{07FE9D64-094F-6AB4-49A2-DE925DE66C56}"/>
+                <a16:creationId xmlns:a16="http://schemas.microsoft.com/office/drawing/2014/main" id="{E48DFD2C-7ED4-FA33-F40B-AC8DBFFC6A52}"/>
               </a:ext>
             </a:extLst>
           </p:cNvPr>
@@ -504,7 +504,7 @@
           <a:bodyPr/>
           <a:lstStyle/>
           <a:p>
-            <a:fld id="{4ED09251-FBAC-428F-ADD8-058FE2216F7A}" type="slidenum">
+            <a:fld id="{BE2CDD7C-4AEE-4367-A320-40C9A4868365}" type="slidenum">
               <a:rPr lang="zh-CN" altLang="en-US" smtClean="0"/>
               <a:t>‹#›</a:t>
             </a:fld>
@@ -515,7 +515,7 @@
     </p:spTree>
     <p:extLst>
       <p:ext uri="{BB962C8B-B14F-4D97-AF65-F5344CB8AC3E}">
-        <p14:creationId xmlns:p14="http://schemas.microsoft.com/office/powerpoint/2010/main" val="819182653"/>
+        <p14:creationId xmlns:p14="http://schemas.microsoft.com/office/powerpoint/2010/main" val="1501320505"/>
       </p:ext>
     </p:extLst>
   </p:cSld>
@@ -547,7 +547,7 @@
           <p:cNvPr id="2" name="竖排标题 1">
             <a:extLst>
               <a:ext uri="{FF2B5EF4-FFF2-40B4-BE49-F238E27FC236}">
-                <a16:creationId xmlns:a16="http://schemas.microsoft.com/office/drawing/2014/main" id="{32F23E20-FAA6-2175-7FCA-DAD77D42BFE6}"/>
+                <a16:creationId xmlns:a16="http://schemas.microsoft.com/office/drawing/2014/main" id="{1411D6C0-E4AE-DF56-5E6B-ED7A34A073D7}"/>
               </a:ext>
             </a:extLst>
           </p:cNvPr>
@@ -580,7 +580,7 @@
           <p:cNvPr id="3" name="竖排文字占位符 2">
             <a:extLst>
               <a:ext uri="{FF2B5EF4-FFF2-40B4-BE49-F238E27FC236}">
-                <a16:creationId xmlns:a16="http://schemas.microsoft.com/office/drawing/2014/main" id="{780F6F5D-0393-9CF3-9548-7E21ADFF5C92}"/>
+                <a16:creationId xmlns:a16="http://schemas.microsoft.com/office/drawing/2014/main" id="{EA24866A-3CC1-E592-A1F9-C8CCA630E4FC}"/>
               </a:ext>
             </a:extLst>
           </p:cNvPr>
@@ -642,7 +642,7 @@
           <p:cNvPr id="4" name="日期占位符 3">
             <a:extLst>
               <a:ext uri="{FF2B5EF4-FFF2-40B4-BE49-F238E27FC236}">
-                <a16:creationId xmlns:a16="http://schemas.microsoft.com/office/drawing/2014/main" id="{5E4CE963-5065-481D-5B1D-49C1D516C432}"/>
+                <a16:creationId xmlns:a16="http://schemas.microsoft.com/office/drawing/2014/main" id="{1A00F12D-BF1B-BDD0-C471-08D891DBC015}"/>
               </a:ext>
             </a:extLst>
           </p:cNvPr>
@@ -658,7 +658,7 @@
           <a:bodyPr/>
           <a:lstStyle/>
           <a:p>
-            <a:fld id="{1084B675-0395-405E-B8E3-818AC32275C5}" type="datetimeFigureOut">
+            <a:fld id="{7F95E429-7183-403E-B333-A767349D8C50}" type="datetimeFigureOut">
               <a:rPr lang="zh-CN" altLang="en-US" smtClean="0"/>
               <a:t>2024/3/10</a:t>
             </a:fld>
@@ -671,7 +671,7 @@
           <p:cNvPr id="5" name="页脚占位符 4">
             <a:extLst>
               <a:ext uri="{FF2B5EF4-FFF2-40B4-BE49-F238E27FC236}">
-                <a16:creationId xmlns:a16="http://schemas.microsoft.com/office/drawing/2014/main" id="{85845918-5D5E-8D66-423B-4CD88D0B6CBE}"/>
+                <a16:creationId xmlns:a16="http://schemas.microsoft.com/office/drawing/2014/main" id="{EF3B474E-12B9-8DB9-44AA-90D398FC312D}"/>
               </a:ext>
             </a:extLst>
           </p:cNvPr>
@@ -696,7 +696,7 @@
           <p:cNvPr id="6" name="灯片编号占位符 5">
             <a:extLst>
               <a:ext uri="{FF2B5EF4-FFF2-40B4-BE49-F238E27FC236}">
-                <a16:creationId xmlns:a16="http://schemas.microsoft.com/office/drawing/2014/main" id="{3741A4B2-F2F8-0E4B-37DA-5150A58C3AE0}"/>
+                <a16:creationId xmlns:a16="http://schemas.microsoft.com/office/drawing/2014/main" id="{C175D1FC-0D2F-4549-7DE1-0B8FE39F4602}"/>
               </a:ext>
             </a:extLst>
           </p:cNvPr>
@@ -712,7 +712,7 @@
           <a:bodyPr/>
           <a:lstStyle/>
           <a:p>
-            <a:fld id="{4ED09251-FBAC-428F-ADD8-058FE2216F7A}" type="slidenum">
+            <a:fld id="{BE2CDD7C-4AEE-4367-A320-40C9A4868365}" type="slidenum">
               <a:rPr lang="zh-CN" altLang="en-US" smtClean="0"/>
               <a:t>‹#›</a:t>
             </a:fld>
@@ -723,7 +723,7 @@
     </p:spTree>
     <p:extLst>
       <p:ext uri="{BB962C8B-B14F-4D97-AF65-F5344CB8AC3E}">
-        <p14:creationId xmlns:p14="http://schemas.microsoft.com/office/powerpoint/2010/main" val="1728152871"/>
+        <p14:creationId xmlns:p14="http://schemas.microsoft.com/office/powerpoint/2010/main" val="397026941"/>
       </p:ext>
     </p:extLst>
   </p:cSld>
@@ -755,7 +755,7 @@
           <p:cNvPr id="2" name="标题 1">
             <a:extLst>
               <a:ext uri="{FF2B5EF4-FFF2-40B4-BE49-F238E27FC236}">
-                <a16:creationId xmlns:a16="http://schemas.microsoft.com/office/drawing/2014/main" id="{D7929BD6-C0F7-13E5-C4A3-35FAE3A12C63}"/>
+                <a16:creationId xmlns:a16="http://schemas.microsoft.com/office/drawing/2014/main" id="{099167DE-11E6-B798-96C0-08C2EE5342D7}"/>
               </a:ext>
             </a:extLst>
           </p:cNvPr>
@@ -783,7 +783,7 @@
           <p:cNvPr id="3" name="内容占位符 2">
             <a:extLst>
               <a:ext uri="{FF2B5EF4-FFF2-40B4-BE49-F238E27FC236}">
-                <a16:creationId xmlns:a16="http://schemas.microsoft.com/office/drawing/2014/main" id="{46AE978C-DCA0-96B4-A6E4-F4E19766E9E5}"/>
+                <a16:creationId xmlns:a16="http://schemas.microsoft.com/office/drawing/2014/main" id="{E81D72D2-D3A0-3581-FE9E-22310DA723F6}"/>
               </a:ext>
             </a:extLst>
           </p:cNvPr>
@@ -840,7 +840,7 @@
           <p:cNvPr id="4" name="日期占位符 3">
             <a:extLst>
               <a:ext uri="{FF2B5EF4-FFF2-40B4-BE49-F238E27FC236}">
-                <a16:creationId xmlns:a16="http://schemas.microsoft.com/office/drawing/2014/main" id="{727ACE78-0177-1FE3-0864-4153291AE4C2}"/>
+                <a16:creationId xmlns:a16="http://schemas.microsoft.com/office/drawing/2014/main" id="{50B0ED53-5B0D-338C-7EA8-7715A4300D38}"/>
               </a:ext>
             </a:extLst>
           </p:cNvPr>
@@ -856,7 +856,7 @@
           <a:bodyPr/>
           <a:lstStyle/>
           <a:p>
-            <a:fld id="{1084B675-0395-405E-B8E3-818AC32275C5}" type="datetimeFigureOut">
+            <a:fld id="{7F95E429-7183-403E-B333-A767349D8C50}" type="datetimeFigureOut">
               <a:rPr lang="zh-CN" altLang="en-US" smtClean="0"/>
               <a:t>2024/3/10</a:t>
             </a:fld>
@@ -869,7 +869,7 @@
           <p:cNvPr id="5" name="页脚占位符 4">
             <a:extLst>
               <a:ext uri="{FF2B5EF4-FFF2-40B4-BE49-F238E27FC236}">
-                <a16:creationId xmlns:a16="http://schemas.microsoft.com/office/drawing/2014/main" id="{037A1461-2E3A-2133-0A36-B1C15BB4FB25}"/>
+                <a16:creationId xmlns:a16="http://schemas.microsoft.com/office/drawing/2014/main" id="{1367163D-EB26-2723-AF46-479E53FD9FA8}"/>
               </a:ext>
             </a:extLst>
           </p:cNvPr>
@@ -894,7 +894,7 @@
           <p:cNvPr id="6" name="灯片编号占位符 5">
             <a:extLst>
               <a:ext uri="{FF2B5EF4-FFF2-40B4-BE49-F238E27FC236}">
-                <a16:creationId xmlns:a16="http://schemas.microsoft.com/office/drawing/2014/main" id="{57A9111E-6253-80E5-A226-93023CF1137D}"/>
+                <a16:creationId xmlns:a16="http://schemas.microsoft.com/office/drawing/2014/main" id="{B2D4D348-8EC1-25C1-84CC-4161BB8CC945}"/>
               </a:ext>
             </a:extLst>
           </p:cNvPr>
@@ -910,7 +910,7 @@
           <a:bodyPr/>
           <a:lstStyle/>
           <a:p>
-            <a:fld id="{4ED09251-FBAC-428F-ADD8-058FE2216F7A}" type="slidenum">
+            <a:fld id="{BE2CDD7C-4AEE-4367-A320-40C9A4868365}" type="slidenum">
               <a:rPr lang="zh-CN" altLang="en-US" smtClean="0"/>
               <a:t>‹#›</a:t>
             </a:fld>
@@ -921,7 +921,7 @@
     </p:spTree>
     <p:extLst>
       <p:ext uri="{BB962C8B-B14F-4D97-AF65-F5344CB8AC3E}">
-        <p14:creationId xmlns:p14="http://schemas.microsoft.com/office/powerpoint/2010/main" val="880250493"/>
+        <p14:creationId xmlns:p14="http://schemas.microsoft.com/office/powerpoint/2010/main" val="1819349767"/>
       </p:ext>
     </p:extLst>
   </p:cSld>
@@ -953,7 +953,7 @@
           <p:cNvPr id="2" name="标题 1">
             <a:extLst>
               <a:ext uri="{FF2B5EF4-FFF2-40B4-BE49-F238E27FC236}">
-                <a16:creationId xmlns:a16="http://schemas.microsoft.com/office/drawing/2014/main" id="{03CC4400-08E6-AD3A-074B-02F197B47E22}"/>
+                <a16:creationId xmlns:a16="http://schemas.microsoft.com/office/drawing/2014/main" id="{3D6F79C1-4A31-8989-D594-B6968D5B5B6A}"/>
               </a:ext>
             </a:extLst>
           </p:cNvPr>
@@ -990,7 +990,7 @@
           <p:cNvPr id="3" name="文本占位符 2">
             <a:extLst>
               <a:ext uri="{FF2B5EF4-FFF2-40B4-BE49-F238E27FC236}">
-                <a16:creationId xmlns:a16="http://schemas.microsoft.com/office/drawing/2014/main" id="{1880900C-9800-459B-5213-65E8D8C91DDC}"/>
+                <a16:creationId xmlns:a16="http://schemas.microsoft.com/office/drawing/2014/main" id="{1890043F-B9C2-B5B5-FE8B-D26ABBC1361D}"/>
               </a:ext>
             </a:extLst>
           </p:cNvPr>
@@ -1115,7 +1115,7 @@
           <p:cNvPr id="4" name="日期占位符 3">
             <a:extLst>
               <a:ext uri="{FF2B5EF4-FFF2-40B4-BE49-F238E27FC236}">
-                <a16:creationId xmlns:a16="http://schemas.microsoft.com/office/drawing/2014/main" id="{680F9F5D-E94B-D17C-08C0-1F83DFE4C8CB}"/>
+                <a16:creationId xmlns:a16="http://schemas.microsoft.com/office/drawing/2014/main" id="{44CE289E-2CB3-3667-A765-3E6B565A7002}"/>
               </a:ext>
             </a:extLst>
           </p:cNvPr>
@@ -1131,7 +1131,7 @@
           <a:bodyPr/>
           <a:lstStyle/>
           <a:p>
-            <a:fld id="{1084B675-0395-405E-B8E3-818AC32275C5}" type="datetimeFigureOut">
+            <a:fld id="{7F95E429-7183-403E-B333-A767349D8C50}" type="datetimeFigureOut">
               <a:rPr lang="zh-CN" altLang="en-US" smtClean="0"/>
               <a:t>2024/3/10</a:t>
             </a:fld>
@@ -1144,7 +1144,7 @@
           <p:cNvPr id="5" name="页脚占位符 4">
             <a:extLst>
               <a:ext uri="{FF2B5EF4-FFF2-40B4-BE49-F238E27FC236}">
-                <a16:creationId xmlns:a16="http://schemas.microsoft.com/office/drawing/2014/main" id="{E8513D52-2987-2AF0-D6F1-93582A8AEA6E}"/>
+                <a16:creationId xmlns:a16="http://schemas.microsoft.com/office/drawing/2014/main" id="{08BC2972-DB2B-F759-96F4-515C7684C586}"/>
               </a:ext>
             </a:extLst>
           </p:cNvPr>
@@ -1169,7 +1169,7 @@
           <p:cNvPr id="6" name="灯片编号占位符 5">
             <a:extLst>
               <a:ext uri="{FF2B5EF4-FFF2-40B4-BE49-F238E27FC236}">
-                <a16:creationId xmlns:a16="http://schemas.microsoft.com/office/drawing/2014/main" id="{99DC58D6-B842-2F16-99CE-326C286F2811}"/>
+                <a16:creationId xmlns:a16="http://schemas.microsoft.com/office/drawing/2014/main" id="{06EADB51-02A5-545B-427A-D2B8BB6A91E3}"/>
               </a:ext>
             </a:extLst>
           </p:cNvPr>
@@ -1185,7 +1185,7 @@
           <a:bodyPr/>
           <a:lstStyle/>
           <a:p>
-            <a:fld id="{4ED09251-FBAC-428F-ADD8-058FE2216F7A}" type="slidenum">
+            <a:fld id="{BE2CDD7C-4AEE-4367-A320-40C9A4868365}" type="slidenum">
               <a:rPr lang="zh-CN" altLang="en-US" smtClean="0"/>
               <a:t>‹#›</a:t>
             </a:fld>
@@ -1196,7 +1196,7 @@
     </p:spTree>
     <p:extLst>
       <p:ext uri="{BB962C8B-B14F-4D97-AF65-F5344CB8AC3E}">
-        <p14:creationId xmlns:p14="http://schemas.microsoft.com/office/powerpoint/2010/main" val="3402699346"/>
+        <p14:creationId xmlns:p14="http://schemas.microsoft.com/office/powerpoint/2010/main" val="2077877462"/>
       </p:ext>
     </p:extLst>
   </p:cSld>
@@ -1228,7 +1228,7 @@
           <p:cNvPr id="2" name="标题 1">
             <a:extLst>
               <a:ext uri="{FF2B5EF4-FFF2-40B4-BE49-F238E27FC236}">
-                <a16:creationId xmlns:a16="http://schemas.microsoft.com/office/drawing/2014/main" id="{224E8D20-422F-89EE-52B9-4C7202EF6DDF}"/>
+                <a16:creationId xmlns:a16="http://schemas.microsoft.com/office/drawing/2014/main" id="{58B0B7E4-2386-37ED-729C-E7C804182DBC}"/>
               </a:ext>
             </a:extLst>
           </p:cNvPr>
@@ -1256,7 +1256,7 @@
           <p:cNvPr id="3" name="内容占位符 2">
             <a:extLst>
               <a:ext uri="{FF2B5EF4-FFF2-40B4-BE49-F238E27FC236}">
-                <a16:creationId xmlns:a16="http://schemas.microsoft.com/office/drawing/2014/main" id="{032067C7-6B92-C99C-193C-69B6A65E8E36}"/>
+                <a16:creationId xmlns:a16="http://schemas.microsoft.com/office/drawing/2014/main" id="{6A450D43-C994-6803-C3A9-F11F5273509C}"/>
               </a:ext>
             </a:extLst>
           </p:cNvPr>
@@ -1318,7 +1318,7 @@
           <p:cNvPr id="4" name="内容占位符 3">
             <a:extLst>
               <a:ext uri="{FF2B5EF4-FFF2-40B4-BE49-F238E27FC236}">
-                <a16:creationId xmlns:a16="http://schemas.microsoft.com/office/drawing/2014/main" id="{B576516C-F8E6-C9B2-65A4-8A77BDC3061F}"/>
+                <a16:creationId xmlns:a16="http://schemas.microsoft.com/office/drawing/2014/main" id="{11C056D6-14DB-B616-350F-77F3B663D7FD}"/>
               </a:ext>
             </a:extLst>
           </p:cNvPr>
@@ -1380,7 +1380,7 @@
           <p:cNvPr id="5" name="日期占位符 4">
             <a:extLst>
               <a:ext uri="{FF2B5EF4-FFF2-40B4-BE49-F238E27FC236}">
-                <a16:creationId xmlns:a16="http://schemas.microsoft.com/office/drawing/2014/main" id="{389E83EA-F1EB-C3D6-58A2-952C6D1F0D58}"/>
+                <a16:creationId xmlns:a16="http://schemas.microsoft.com/office/drawing/2014/main" id="{0FDBEA00-B550-5599-8954-721023D64925}"/>
               </a:ext>
             </a:extLst>
           </p:cNvPr>
@@ -1396,7 +1396,7 @@
           <a:bodyPr/>
           <a:lstStyle/>
           <a:p>
-            <a:fld id="{1084B675-0395-405E-B8E3-818AC32275C5}" type="datetimeFigureOut">
+            <a:fld id="{7F95E429-7183-403E-B333-A767349D8C50}" type="datetimeFigureOut">
               <a:rPr lang="zh-CN" altLang="en-US" smtClean="0"/>
               <a:t>2024/3/10</a:t>
             </a:fld>
@@ -1409,7 +1409,7 @@
           <p:cNvPr id="6" name="页脚占位符 5">
             <a:extLst>
               <a:ext uri="{FF2B5EF4-FFF2-40B4-BE49-F238E27FC236}">
-                <a16:creationId xmlns:a16="http://schemas.microsoft.com/office/drawing/2014/main" id="{9D31258B-4F81-309C-6F9D-AE837C7F68F0}"/>
+                <a16:creationId xmlns:a16="http://schemas.microsoft.com/office/drawing/2014/main" id="{618451FE-BB04-0711-D259-3E40F8560C11}"/>
               </a:ext>
             </a:extLst>
           </p:cNvPr>
@@ -1434,7 +1434,7 @@
           <p:cNvPr id="7" name="灯片编号占位符 6">
             <a:extLst>
               <a:ext uri="{FF2B5EF4-FFF2-40B4-BE49-F238E27FC236}">
-                <a16:creationId xmlns:a16="http://schemas.microsoft.com/office/drawing/2014/main" id="{125C4064-9F67-9EA2-1E0E-9212E3DD51E2}"/>
+                <a16:creationId xmlns:a16="http://schemas.microsoft.com/office/drawing/2014/main" id="{D0D21638-7E73-6FD0-3262-635B07987B2A}"/>
               </a:ext>
             </a:extLst>
           </p:cNvPr>
@@ -1450,7 +1450,7 @@
           <a:bodyPr/>
           <a:lstStyle/>
           <a:p>
-            <a:fld id="{4ED09251-FBAC-428F-ADD8-058FE2216F7A}" type="slidenum">
+            <a:fld id="{BE2CDD7C-4AEE-4367-A320-40C9A4868365}" type="slidenum">
               <a:rPr lang="zh-CN" altLang="en-US" smtClean="0"/>
               <a:t>‹#›</a:t>
             </a:fld>
@@ -1461,7 +1461,7 @@
     </p:spTree>
     <p:extLst>
       <p:ext uri="{BB962C8B-B14F-4D97-AF65-F5344CB8AC3E}">
-        <p14:creationId xmlns:p14="http://schemas.microsoft.com/office/powerpoint/2010/main" val="2726421581"/>
+        <p14:creationId xmlns:p14="http://schemas.microsoft.com/office/powerpoint/2010/main" val="4230035334"/>
       </p:ext>
     </p:extLst>
   </p:cSld>
@@ -1493,7 +1493,7 @@
           <p:cNvPr id="2" name="标题 1">
             <a:extLst>
               <a:ext uri="{FF2B5EF4-FFF2-40B4-BE49-F238E27FC236}">
-                <a16:creationId xmlns:a16="http://schemas.microsoft.com/office/drawing/2014/main" id="{3A1F450D-D5CE-5F64-621B-347856113B17}"/>
+                <a16:creationId xmlns:a16="http://schemas.microsoft.com/office/drawing/2014/main" id="{EFEA441E-762A-3FA1-0E02-F398FA1AF541}"/>
               </a:ext>
             </a:extLst>
           </p:cNvPr>
@@ -1526,7 +1526,7 @@
           <p:cNvPr id="3" name="文本占位符 2">
             <a:extLst>
               <a:ext uri="{FF2B5EF4-FFF2-40B4-BE49-F238E27FC236}">
-                <a16:creationId xmlns:a16="http://schemas.microsoft.com/office/drawing/2014/main" id="{1A6248A0-9D83-890C-871E-C99D325AB02D}"/>
+                <a16:creationId xmlns:a16="http://schemas.microsoft.com/office/drawing/2014/main" id="{1F7DE537-92D1-070E-BA0A-60DEE55E23EF}"/>
               </a:ext>
             </a:extLst>
           </p:cNvPr>
@@ -1597,7 +1597,7 @@
           <p:cNvPr id="4" name="内容占位符 3">
             <a:extLst>
               <a:ext uri="{FF2B5EF4-FFF2-40B4-BE49-F238E27FC236}">
-                <a16:creationId xmlns:a16="http://schemas.microsoft.com/office/drawing/2014/main" id="{057095DF-FD15-9058-62FD-7569B5577E95}"/>
+                <a16:creationId xmlns:a16="http://schemas.microsoft.com/office/drawing/2014/main" id="{D2C087E4-408F-9B49-A7BC-E9EC38806348}"/>
               </a:ext>
             </a:extLst>
           </p:cNvPr>
@@ -1659,7 +1659,7 @@
           <p:cNvPr id="5" name="文本占位符 4">
             <a:extLst>
               <a:ext uri="{FF2B5EF4-FFF2-40B4-BE49-F238E27FC236}">
-                <a16:creationId xmlns:a16="http://schemas.microsoft.com/office/drawing/2014/main" id="{ECA6FFDA-0715-F668-B4C5-B3340048550C}"/>
+                <a16:creationId xmlns:a16="http://schemas.microsoft.com/office/drawing/2014/main" id="{145AB632-4692-4AB7-D63F-E0F1092DE8A6}"/>
               </a:ext>
             </a:extLst>
           </p:cNvPr>
@@ -1730,7 +1730,7 @@
           <p:cNvPr id="6" name="内容占位符 5">
             <a:extLst>
               <a:ext uri="{FF2B5EF4-FFF2-40B4-BE49-F238E27FC236}">
-                <a16:creationId xmlns:a16="http://schemas.microsoft.com/office/drawing/2014/main" id="{553F239E-8D7C-6109-2772-EC9E3396DE80}"/>
+                <a16:creationId xmlns:a16="http://schemas.microsoft.com/office/drawing/2014/main" id="{1C71C66F-7ED5-5781-BD4D-76D38C135A5D}"/>
               </a:ext>
             </a:extLst>
           </p:cNvPr>
@@ -1792,7 +1792,7 @@
           <p:cNvPr id="7" name="日期占位符 6">
             <a:extLst>
               <a:ext uri="{FF2B5EF4-FFF2-40B4-BE49-F238E27FC236}">
-                <a16:creationId xmlns:a16="http://schemas.microsoft.com/office/drawing/2014/main" id="{8071EB37-9286-8058-25E4-E05B10168F8E}"/>
+                <a16:creationId xmlns:a16="http://schemas.microsoft.com/office/drawing/2014/main" id="{57504591-F673-3E0A-7A97-4A5916B5C279}"/>
               </a:ext>
             </a:extLst>
           </p:cNvPr>
@@ -1808,7 +1808,7 @@
           <a:bodyPr/>
           <a:lstStyle/>
           <a:p>
-            <a:fld id="{1084B675-0395-405E-B8E3-818AC32275C5}" type="datetimeFigureOut">
+            <a:fld id="{7F95E429-7183-403E-B333-A767349D8C50}" type="datetimeFigureOut">
               <a:rPr lang="zh-CN" altLang="en-US" smtClean="0"/>
               <a:t>2024/3/10</a:t>
             </a:fld>
@@ -1821,7 +1821,7 @@
           <p:cNvPr id="8" name="页脚占位符 7">
             <a:extLst>
               <a:ext uri="{FF2B5EF4-FFF2-40B4-BE49-F238E27FC236}">
-                <a16:creationId xmlns:a16="http://schemas.microsoft.com/office/drawing/2014/main" id="{62DD9DBF-F9B0-AB9F-E4F5-EB727F0F0BEB}"/>
+                <a16:creationId xmlns:a16="http://schemas.microsoft.com/office/drawing/2014/main" id="{A1DFFE6F-A967-324E-3EF0-83EC70138AC2}"/>
               </a:ext>
             </a:extLst>
           </p:cNvPr>
@@ -1846,7 +1846,7 @@
           <p:cNvPr id="9" name="灯片编号占位符 8">
             <a:extLst>
               <a:ext uri="{FF2B5EF4-FFF2-40B4-BE49-F238E27FC236}">
-                <a16:creationId xmlns:a16="http://schemas.microsoft.com/office/drawing/2014/main" id="{F5D12C44-D701-84D0-02EB-585FC20BE4FD}"/>
+                <a16:creationId xmlns:a16="http://schemas.microsoft.com/office/drawing/2014/main" id="{FB4A753D-573D-4E9A-F074-375CD1AF1D33}"/>
               </a:ext>
             </a:extLst>
           </p:cNvPr>
@@ -1862,7 +1862,7 @@
           <a:bodyPr/>
           <a:lstStyle/>
           <a:p>
-            <a:fld id="{4ED09251-FBAC-428F-ADD8-058FE2216F7A}" type="slidenum">
+            <a:fld id="{BE2CDD7C-4AEE-4367-A320-40C9A4868365}" type="slidenum">
               <a:rPr lang="zh-CN" altLang="en-US" smtClean="0"/>
               <a:t>‹#›</a:t>
             </a:fld>
@@ -1873,7 +1873,7 @@
     </p:spTree>
     <p:extLst>
       <p:ext uri="{BB962C8B-B14F-4D97-AF65-F5344CB8AC3E}">
-        <p14:creationId xmlns:p14="http://schemas.microsoft.com/office/powerpoint/2010/main" val="4029132775"/>
+        <p14:creationId xmlns:p14="http://schemas.microsoft.com/office/powerpoint/2010/main" val="3051037554"/>
       </p:ext>
     </p:extLst>
   </p:cSld>
@@ -1905,7 +1905,7 @@
           <p:cNvPr id="2" name="标题 1">
             <a:extLst>
               <a:ext uri="{FF2B5EF4-FFF2-40B4-BE49-F238E27FC236}">
-                <a16:creationId xmlns:a16="http://schemas.microsoft.com/office/drawing/2014/main" id="{B323A136-9291-4658-B339-606426BAC663}"/>
+                <a16:creationId xmlns:a16="http://schemas.microsoft.com/office/drawing/2014/main" id="{E69DCF3B-D700-243F-C5C4-7357D4BE2B24}"/>
               </a:ext>
             </a:extLst>
           </p:cNvPr>
@@ -1933,7 +1933,7 @@
           <p:cNvPr id="3" name="日期占位符 2">
             <a:extLst>
               <a:ext uri="{FF2B5EF4-FFF2-40B4-BE49-F238E27FC236}">
-                <a16:creationId xmlns:a16="http://schemas.microsoft.com/office/drawing/2014/main" id="{477F1CFB-6EB0-8114-7698-72537CE2566A}"/>
+                <a16:creationId xmlns:a16="http://schemas.microsoft.com/office/drawing/2014/main" id="{14D13A35-24EC-E9C0-AFEC-7E56A7A408EC}"/>
               </a:ext>
             </a:extLst>
           </p:cNvPr>
@@ -1949,7 +1949,7 @@
           <a:bodyPr/>
           <a:lstStyle/>
           <a:p>
-            <a:fld id="{1084B675-0395-405E-B8E3-818AC32275C5}" type="datetimeFigureOut">
+            <a:fld id="{7F95E429-7183-403E-B333-A767349D8C50}" type="datetimeFigureOut">
               <a:rPr lang="zh-CN" altLang="en-US" smtClean="0"/>
               <a:t>2024/3/10</a:t>
             </a:fld>
@@ -1962,7 +1962,7 @@
           <p:cNvPr id="4" name="页脚占位符 3">
             <a:extLst>
               <a:ext uri="{FF2B5EF4-FFF2-40B4-BE49-F238E27FC236}">
-                <a16:creationId xmlns:a16="http://schemas.microsoft.com/office/drawing/2014/main" id="{B396EF7E-A3E3-5BEB-8930-DF9847F5401C}"/>
+                <a16:creationId xmlns:a16="http://schemas.microsoft.com/office/drawing/2014/main" id="{359F4AE8-64B9-8185-C8B8-29BBAE489BD5}"/>
               </a:ext>
             </a:extLst>
           </p:cNvPr>
@@ -1987,7 +1987,7 @@
           <p:cNvPr id="5" name="灯片编号占位符 4">
             <a:extLst>
               <a:ext uri="{FF2B5EF4-FFF2-40B4-BE49-F238E27FC236}">
-                <a16:creationId xmlns:a16="http://schemas.microsoft.com/office/drawing/2014/main" id="{54999454-46F9-DCFF-BD7D-505A14129A0E}"/>
+                <a16:creationId xmlns:a16="http://schemas.microsoft.com/office/drawing/2014/main" id="{E3030B16-CD80-7B5A-2DB5-BF7DE14E9075}"/>
               </a:ext>
             </a:extLst>
           </p:cNvPr>
@@ -2003,7 +2003,7 @@
           <a:bodyPr/>
           <a:lstStyle/>
           <a:p>
-            <a:fld id="{4ED09251-FBAC-428F-ADD8-058FE2216F7A}" type="slidenum">
+            <a:fld id="{BE2CDD7C-4AEE-4367-A320-40C9A4868365}" type="slidenum">
               <a:rPr lang="zh-CN" altLang="en-US" smtClean="0"/>
               <a:t>‹#›</a:t>
             </a:fld>
@@ -2014,7 +2014,7 @@
     </p:spTree>
     <p:extLst>
       <p:ext uri="{BB962C8B-B14F-4D97-AF65-F5344CB8AC3E}">
-        <p14:creationId xmlns:p14="http://schemas.microsoft.com/office/powerpoint/2010/main" val="869822573"/>
+        <p14:creationId xmlns:p14="http://schemas.microsoft.com/office/powerpoint/2010/main" val="2184208485"/>
       </p:ext>
     </p:extLst>
   </p:cSld>
@@ -2046,7 +2046,7 @@
           <p:cNvPr id="2" name="日期占位符 1">
             <a:extLst>
               <a:ext uri="{FF2B5EF4-FFF2-40B4-BE49-F238E27FC236}">
-                <a16:creationId xmlns:a16="http://schemas.microsoft.com/office/drawing/2014/main" id="{5487788B-AB9E-7FB0-9784-B8D79F09510C}"/>
+                <a16:creationId xmlns:a16="http://schemas.microsoft.com/office/drawing/2014/main" id="{ED8310AA-5395-9BA5-08B7-4985B5618DBC}"/>
               </a:ext>
             </a:extLst>
           </p:cNvPr>
@@ -2062,7 +2062,7 @@
           <a:bodyPr/>
           <a:lstStyle/>
           <a:p>
-            <a:fld id="{1084B675-0395-405E-B8E3-818AC32275C5}" type="datetimeFigureOut">
+            <a:fld id="{7F95E429-7183-403E-B333-A767349D8C50}" type="datetimeFigureOut">
               <a:rPr lang="zh-CN" altLang="en-US" smtClean="0"/>
               <a:t>2024/3/10</a:t>
             </a:fld>
@@ -2075,7 +2075,7 @@
           <p:cNvPr id="3" name="页脚占位符 2">
             <a:extLst>
               <a:ext uri="{FF2B5EF4-FFF2-40B4-BE49-F238E27FC236}">
-                <a16:creationId xmlns:a16="http://schemas.microsoft.com/office/drawing/2014/main" id="{3EBA6006-1810-94C2-138B-9C1EF64C8472}"/>
+                <a16:creationId xmlns:a16="http://schemas.microsoft.com/office/drawing/2014/main" id="{4501D59F-650B-AB39-7AD3-A35027729D05}"/>
               </a:ext>
             </a:extLst>
           </p:cNvPr>
@@ -2100,7 +2100,7 @@
           <p:cNvPr id="4" name="灯片编号占位符 3">
             <a:extLst>
               <a:ext uri="{FF2B5EF4-FFF2-40B4-BE49-F238E27FC236}">
-                <a16:creationId xmlns:a16="http://schemas.microsoft.com/office/drawing/2014/main" id="{DD8EB822-0F39-B2E2-4749-EED9DC58AA37}"/>
+                <a16:creationId xmlns:a16="http://schemas.microsoft.com/office/drawing/2014/main" id="{A6CAECD6-E9FF-B495-A03A-902233521710}"/>
               </a:ext>
             </a:extLst>
           </p:cNvPr>
@@ -2116,7 +2116,7 @@
           <a:bodyPr/>
           <a:lstStyle/>
           <a:p>
-            <a:fld id="{4ED09251-FBAC-428F-ADD8-058FE2216F7A}" type="slidenum">
+            <a:fld id="{BE2CDD7C-4AEE-4367-A320-40C9A4868365}" type="slidenum">
               <a:rPr lang="zh-CN" altLang="en-US" smtClean="0"/>
               <a:t>‹#›</a:t>
             </a:fld>
@@ -2127,7 +2127,7 @@
     </p:spTree>
     <p:extLst>
       <p:ext uri="{BB962C8B-B14F-4D97-AF65-F5344CB8AC3E}">
-        <p14:creationId xmlns:p14="http://schemas.microsoft.com/office/powerpoint/2010/main" val="1834574253"/>
+        <p14:creationId xmlns:p14="http://schemas.microsoft.com/office/powerpoint/2010/main" val="960465968"/>
       </p:ext>
     </p:extLst>
   </p:cSld>
@@ -2159,7 +2159,7 @@
           <p:cNvPr id="2" name="标题 1">
             <a:extLst>
               <a:ext uri="{FF2B5EF4-FFF2-40B4-BE49-F238E27FC236}">
-                <a16:creationId xmlns:a16="http://schemas.microsoft.com/office/drawing/2014/main" id="{AA87BB14-4A0B-7F31-872C-FFB4138A3EF2}"/>
+                <a16:creationId xmlns:a16="http://schemas.microsoft.com/office/drawing/2014/main" id="{6B1517FB-06CB-7B93-3318-12CA7B0A2355}"/>
               </a:ext>
             </a:extLst>
           </p:cNvPr>
@@ -2196,7 +2196,7 @@
           <p:cNvPr id="3" name="内容占位符 2">
             <a:extLst>
               <a:ext uri="{FF2B5EF4-FFF2-40B4-BE49-F238E27FC236}">
-                <a16:creationId xmlns:a16="http://schemas.microsoft.com/office/drawing/2014/main" id="{596E6039-24DF-D0B4-A948-A47B5750E6DF}"/>
+                <a16:creationId xmlns:a16="http://schemas.microsoft.com/office/drawing/2014/main" id="{F14B6B95-DDFA-E93B-6C9B-19234A3D8DA5}"/>
               </a:ext>
             </a:extLst>
           </p:cNvPr>
@@ -2286,7 +2286,7 @@
           <p:cNvPr id="4" name="文本占位符 3">
             <a:extLst>
               <a:ext uri="{FF2B5EF4-FFF2-40B4-BE49-F238E27FC236}">
-                <a16:creationId xmlns:a16="http://schemas.microsoft.com/office/drawing/2014/main" id="{7CDC2BBD-11A5-C805-AC81-9FCEA04E938C}"/>
+                <a16:creationId xmlns:a16="http://schemas.microsoft.com/office/drawing/2014/main" id="{BF26255F-567C-C705-0838-523D19DBE528}"/>
               </a:ext>
             </a:extLst>
           </p:cNvPr>
@@ -2357,7 +2357,7 @@
           <p:cNvPr id="5" name="日期占位符 4">
             <a:extLst>
               <a:ext uri="{FF2B5EF4-FFF2-40B4-BE49-F238E27FC236}">
-                <a16:creationId xmlns:a16="http://schemas.microsoft.com/office/drawing/2014/main" id="{1413AB14-62BF-FC6A-30BD-38F26F617925}"/>
+                <a16:creationId xmlns:a16="http://schemas.microsoft.com/office/drawing/2014/main" id="{70B4846C-67E1-BC17-113B-C9484BC95CF6}"/>
               </a:ext>
             </a:extLst>
           </p:cNvPr>
@@ -2373,7 +2373,7 @@
           <a:bodyPr/>
           <a:lstStyle/>
           <a:p>
-            <a:fld id="{1084B675-0395-405E-B8E3-818AC32275C5}" type="datetimeFigureOut">
+            <a:fld id="{7F95E429-7183-403E-B333-A767349D8C50}" type="datetimeFigureOut">
               <a:rPr lang="zh-CN" altLang="en-US" smtClean="0"/>
               <a:t>2024/3/10</a:t>
             </a:fld>
@@ -2386,7 +2386,7 @@
           <p:cNvPr id="6" name="页脚占位符 5">
             <a:extLst>
               <a:ext uri="{FF2B5EF4-FFF2-40B4-BE49-F238E27FC236}">
-                <a16:creationId xmlns:a16="http://schemas.microsoft.com/office/drawing/2014/main" id="{245E1308-40E3-8120-A26E-AA308CB70700}"/>
+                <a16:creationId xmlns:a16="http://schemas.microsoft.com/office/drawing/2014/main" id="{679AF348-E9AB-9DEC-CC9A-F6ADD106A6E9}"/>
               </a:ext>
             </a:extLst>
           </p:cNvPr>
@@ -2411,7 +2411,7 @@
           <p:cNvPr id="7" name="灯片编号占位符 6">
             <a:extLst>
               <a:ext uri="{FF2B5EF4-FFF2-40B4-BE49-F238E27FC236}">
-                <a16:creationId xmlns:a16="http://schemas.microsoft.com/office/drawing/2014/main" id="{9821A99F-C69C-5D09-ACE3-FC3C49B2ACD9}"/>
+                <a16:creationId xmlns:a16="http://schemas.microsoft.com/office/drawing/2014/main" id="{C4F8CC71-2CF9-7DE3-9F07-2EA554BB7F7D}"/>
               </a:ext>
             </a:extLst>
           </p:cNvPr>
@@ -2427,7 +2427,7 @@
           <a:bodyPr/>
           <a:lstStyle/>
           <a:p>
-            <a:fld id="{4ED09251-FBAC-428F-ADD8-058FE2216F7A}" type="slidenum">
+            <a:fld id="{BE2CDD7C-4AEE-4367-A320-40C9A4868365}" type="slidenum">
               <a:rPr lang="zh-CN" altLang="en-US" smtClean="0"/>
               <a:t>‹#›</a:t>
             </a:fld>
@@ -2438,7 +2438,7 @@
     </p:spTree>
     <p:extLst>
       <p:ext uri="{BB962C8B-B14F-4D97-AF65-F5344CB8AC3E}">
-        <p14:creationId xmlns:p14="http://schemas.microsoft.com/office/powerpoint/2010/main" val="2929167678"/>
+        <p14:creationId xmlns:p14="http://schemas.microsoft.com/office/powerpoint/2010/main" val="3179998575"/>
       </p:ext>
     </p:extLst>
   </p:cSld>
@@ -2470,7 +2470,7 @@
           <p:cNvPr id="2" name="标题 1">
             <a:extLst>
               <a:ext uri="{FF2B5EF4-FFF2-40B4-BE49-F238E27FC236}">
-                <a16:creationId xmlns:a16="http://schemas.microsoft.com/office/drawing/2014/main" id="{E9E13878-B3DE-D181-C9FE-4E35C5834A6C}"/>
+                <a16:creationId xmlns:a16="http://schemas.microsoft.com/office/drawing/2014/main" id="{086ACCCE-D467-DADC-ABAF-D2EE673DF502}"/>
               </a:ext>
             </a:extLst>
           </p:cNvPr>
@@ -2507,7 +2507,7 @@
           <p:cNvPr id="3" name="图片占位符 2">
             <a:extLst>
               <a:ext uri="{FF2B5EF4-FFF2-40B4-BE49-F238E27FC236}">
-                <a16:creationId xmlns:a16="http://schemas.microsoft.com/office/drawing/2014/main" id="{7140B9A4-91F0-312E-C7A2-29718FAF5E2D}"/>
+                <a16:creationId xmlns:a16="http://schemas.microsoft.com/office/drawing/2014/main" id="{DB0E863F-4E3D-8363-AF47-139F015B4A99}"/>
               </a:ext>
             </a:extLst>
           </p:cNvPr>
@@ -2574,7 +2574,7 @@
           <p:cNvPr id="4" name="文本占位符 3">
             <a:extLst>
               <a:ext uri="{FF2B5EF4-FFF2-40B4-BE49-F238E27FC236}">
-                <a16:creationId xmlns:a16="http://schemas.microsoft.com/office/drawing/2014/main" id="{7F5B3E75-8454-45B7-4070-FFF227A230AF}"/>
+                <a16:creationId xmlns:a16="http://schemas.microsoft.com/office/drawing/2014/main" id="{33929743-7AF8-5665-D34F-CAF44BD44526}"/>
               </a:ext>
             </a:extLst>
           </p:cNvPr>
@@ -2645,7 +2645,7 @@
           <p:cNvPr id="5" name="日期占位符 4">
             <a:extLst>
               <a:ext uri="{FF2B5EF4-FFF2-40B4-BE49-F238E27FC236}">
-                <a16:creationId xmlns:a16="http://schemas.microsoft.com/office/drawing/2014/main" id="{B7FEFC8A-A735-3CA1-731F-B3EEE3FCE79C}"/>
+                <a16:creationId xmlns:a16="http://schemas.microsoft.com/office/drawing/2014/main" id="{98B38BAA-59BE-8C3B-BB4F-A9AEA968EC21}"/>
               </a:ext>
             </a:extLst>
           </p:cNvPr>
@@ -2661,7 +2661,7 @@
           <a:bodyPr/>
           <a:lstStyle/>
           <a:p>
-            <a:fld id="{1084B675-0395-405E-B8E3-818AC32275C5}" type="datetimeFigureOut">
+            <a:fld id="{7F95E429-7183-403E-B333-A767349D8C50}" type="datetimeFigureOut">
               <a:rPr lang="zh-CN" altLang="en-US" smtClean="0"/>
               <a:t>2024/3/10</a:t>
             </a:fld>
@@ -2674,7 +2674,7 @@
           <p:cNvPr id="6" name="页脚占位符 5">
             <a:extLst>
               <a:ext uri="{FF2B5EF4-FFF2-40B4-BE49-F238E27FC236}">
-                <a16:creationId xmlns:a16="http://schemas.microsoft.com/office/drawing/2014/main" id="{D058E208-BD4F-F4FD-3B13-DEA13B631277}"/>
+                <a16:creationId xmlns:a16="http://schemas.microsoft.com/office/drawing/2014/main" id="{C192A918-7C95-9EE5-19C9-42BBEF40C5B9}"/>
               </a:ext>
             </a:extLst>
           </p:cNvPr>
@@ -2699,7 +2699,7 @@
           <p:cNvPr id="7" name="灯片编号占位符 6">
             <a:extLst>
               <a:ext uri="{FF2B5EF4-FFF2-40B4-BE49-F238E27FC236}">
-                <a16:creationId xmlns:a16="http://schemas.microsoft.com/office/drawing/2014/main" id="{A66C409C-986C-CDB3-B7B8-E18868F804D2}"/>
+                <a16:creationId xmlns:a16="http://schemas.microsoft.com/office/drawing/2014/main" id="{3B5FAB1F-21D2-51A5-5801-63C97158C331}"/>
               </a:ext>
             </a:extLst>
           </p:cNvPr>
@@ -2715,7 +2715,7 @@
           <a:bodyPr/>
           <a:lstStyle/>
           <a:p>
-            <a:fld id="{4ED09251-FBAC-428F-ADD8-058FE2216F7A}" type="slidenum">
+            <a:fld id="{BE2CDD7C-4AEE-4367-A320-40C9A4868365}" type="slidenum">
               <a:rPr lang="zh-CN" altLang="en-US" smtClean="0"/>
               <a:t>‹#›</a:t>
             </a:fld>
@@ -2726,7 +2726,7 @@
     </p:spTree>
     <p:extLst>
       <p:ext uri="{BB962C8B-B14F-4D97-AF65-F5344CB8AC3E}">
-        <p14:creationId xmlns:p14="http://schemas.microsoft.com/office/powerpoint/2010/main" val="2711697932"/>
+        <p14:creationId xmlns:p14="http://schemas.microsoft.com/office/powerpoint/2010/main" val="1534040672"/>
       </p:ext>
     </p:extLst>
   </p:cSld>
@@ -2763,7 +2763,7 @@
           <p:cNvPr id="2" name="标题占位符 1">
             <a:extLst>
               <a:ext uri="{FF2B5EF4-FFF2-40B4-BE49-F238E27FC236}">
-                <a16:creationId xmlns:a16="http://schemas.microsoft.com/office/drawing/2014/main" id="{F1E22861-8A08-F6FF-533A-AD63C72CB09A}"/>
+                <a16:creationId xmlns:a16="http://schemas.microsoft.com/office/drawing/2014/main" id="{3E9E7EC2-4637-A43A-5F07-59D66E5396C0}"/>
               </a:ext>
             </a:extLst>
           </p:cNvPr>
@@ -2801,7 +2801,7 @@
           <p:cNvPr id="3" name="文本占位符 2">
             <a:extLst>
               <a:ext uri="{FF2B5EF4-FFF2-40B4-BE49-F238E27FC236}">
-                <a16:creationId xmlns:a16="http://schemas.microsoft.com/office/drawing/2014/main" id="{18B6526E-5D74-73EA-366F-8EC9CFFEC254}"/>
+                <a16:creationId xmlns:a16="http://schemas.microsoft.com/office/drawing/2014/main" id="{8786358B-F034-5AB6-810F-AEE6E3199F26}"/>
               </a:ext>
             </a:extLst>
           </p:cNvPr>
@@ -2868,7 +2868,7 @@
           <p:cNvPr id="4" name="日期占位符 3">
             <a:extLst>
               <a:ext uri="{FF2B5EF4-FFF2-40B4-BE49-F238E27FC236}">
-                <a16:creationId xmlns:a16="http://schemas.microsoft.com/office/drawing/2014/main" id="{BD9BC076-FAF3-A7D9-7669-59C983E81007}"/>
+                <a16:creationId xmlns:a16="http://schemas.microsoft.com/office/drawing/2014/main" id="{6A2336A5-28AD-BD8F-B9DE-B9137EEEE0D8}"/>
               </a:ext>
             </a:extLst>
           </p:cNvPr>
@@ -2902,7 +2902,7 @@
             </a:lvl1pPr>
           </a:lstStyle>
           <a:p>
-            <a:fld id="{1084B675-0395-405E-B8E3-818AC32275C5}" type="datetimeFigureOut">
+            <a:fld id="{7F95E429-7183-403E-B333-A767349D8C50}" type="datetimeFigureOut">
               <a:rPr lang="zh-CN" altLang="en-US" smtClean="0"/>
               <a:t>2024/3/10</a:t>
             </a:fld>
@@ -2915,7 +2915,7 @@
           <p:cNvPr id="5" name="页脚占位符 4">
             <a:extLst>
               <a:ext uri="{FF2B5EF4-FFF2-40B4-BE49-F238E27FC236}">
-                <a16:creationId xmlns:a16="http://schemas.microsoft.com/office/drawing/2014/main" id="{3DA7E535-555D-DBFA-0673-1C91EB659687}"/>
+                <a16:creationId xmlns:a16="http://schemas.microsoft.com/office/drawing/2014/main" id="{E21284EA-86D4-23A2-FD3C-D981F52DAC6A}"/>
               </a:ext>
             </a:extLst>
           </p:cNvPr>
@@ -2958,7 +2958,7 @@
           <p:cNvPr id="6" name="灯片编号占位符 5">
             <a:extLst>
               <a:ext uri="{FF2B5EF4-FFF2-40B4-BE49-F238E27FC236}">
-                <a16:creationId xmlns:a16="http://schemas.microsoft.com/office/drawing/2014/main" id="{F386C82E-E1AD-0BFA-D9E2-C75203C3C8DC}"/>
+                <a16:creationId xmlns:a16="http://schemas.microsoft.com/office/drawing/2014/main" id="{B12CF708-4715-732D-D68E-B779C9CEAD90}"/>
               </a:ext>
             </a:extLst>
           </p:cNvPr>
@@ -2992,7 +2992,7 @@
             </a:lvl1pPr>
           </a:lstStyle>
           <a:p>
-            <a:fld id="{4ED09251-FBAC-428F-ADD8-058FE2216F7A}" type="slidenum">
+            <a:fld id="{BE2CDD7C-4AEE-4367-A320-40C9A4868365}" type="slidenum">
               <a:rPr lang="zh-CN" altLang="en-US" smtClean="0"/>
               <a:t>‹#›</a:t>
             </a:fld>
@@ -3003,7 +3003,7 @@
     </p:spTree>
     <p:extLst>
       <p:ext uri="{BB962C8B-B14F-4D97-AF65-F5344CB8AC3E}">
-        <p14:creationId xmlns:p14="http://schemas.microsoft.com/office/powerpoint/2010/main" val="309626880"/>
+        <p14:creationId xmlns:p14="http://schemas.microsoft.com/office/powerpoint/2010/main" val="2475599517"/>
       </p:ext>
     </p:extLst>
   </p:cSld>
@@ -3323,7 +3323,7 @@
       </p:grpSpPr>
       <p:pic>
         <p:nvPicPr>
-          <p:cNvPr id="1521666" name="Picture 2" descr="1485"/>
+          <p:cNvPr id="1522690" name="Picture 2" descr="1486"/>
           <p:cNvPicPr>
             <a:picLocks noChangeAspect="1" noChangeArrowheads="1"/>
           </p:cNvPicPr>
@@ -3344,8 +3344,8 @@
         </p:blipFill>
         <p:spPr bwMode="auto">
           <a:xfrm>
-            <a:off x="1524000" y="0"/>
-            <a:ext cx="9144000" cy="3860800"/>
+            <a:off x="1524000" y="1"/>
+            <a:ext cx="9144000" cy="4652963"/>
           </a:xfrm>
           <a:prstGeom prst="rect">
             <a:avLst/>
